--- a/docs/system-architecture-design/structure-apidocs2plantuml.pptx
+++ b/docs/system-architecture-design/structure-apidocs2plantuml.pptx
@@ -261,7 +261,7 @@
           <a:p>
             <a:fld id="{3428F1E4-6D3D-417A-9543-561553CEE0E1}" type="datetimeFigureOut">
               <a:rPr lang="en-US" smtClean="0"/>
-              <a:t>3/17/2020</a:t>
+              <a:t>3/18/2020</a:t>
             </a:fld>
             <a:endParaRPr lang="en-US"/>
           </a:p>
@@ -461,7 +461,7 @@
           <a:p>
             <a:fld id="{3428F1E4-6D3D-417A-9543-561553CEE0E1}" type="datetimeFigureOut">
               <a:rPr lang="en-US" smtClean="0"/>
-              <a:t>3/17/2020</a:t>
+              <a:t>3/18/2020</a:t>
             </a:fld>
             <a:endParaRPr lang="en-US"/>
           </a:p>
@@ -671,7 +671,7 @@
           <a:p>
             <a:fld id="{3428F1E4-6D3D-417A-9543-561553CEE0E1}" type="datetimeFigureOut">
               <a:rPr lang="en-US" smtClean="0"/>
-              <a:t>3/17/2020</a:t>
+              <a:t>3/18/2020</a:t>
             </a:fld>
             <a:endParaRPr lang="en-US"/>
           </a:p>
@@ -871,7 +871,7 @@
           <a:p>
             <a:fld id="{3428F1E4-6D3D-417A-9543-561553CEE0E1}" type="datetimeFigureOut">
               <a:rPr lang="en-US" smtClean="0"/>
-              <a:t>3/17/2020</a:t>
+              <a:t>3/18/2020</a:t>
             </a:fld>
             <a:endParaRPr lang="en-US"/>
           </a:p>
@@ -1147,7 +1147,7 @@
           <a:p>
             <a:fld id="{3428F1E4-6D3D-417A-9543-561553CEE0E1}" type="datetimeFigureOut">
               <a:rPr lang="en-US" smtClean="0"/>
-              <a:t>3/17/2020</a:t>
+              <a:t>3/18/2020</a:t>
             </a:fld>
             <a:endParaRPr lang="en-US"/>
           </a:p>
@@ -1415,7 +1415,7 @@
           <a:p>
             <a:fld id="{3428F1E4-6D3D-417A-9543-561553CEE0E1}" type="datetimeFigureOut">
               <a:rPr lang="en-US" smtClean="0"/>
-              <a:t>3/17/2020</a:t>
+              <a:t>3/18/2020</a:t>
             </a:fld>
             <a:endParaRPr lang="en-US"/>
           </a:p>
@@ -1830,7 +1830,7 @@
           <a:p>
             <a:fld id="{3428F1E4-6D3D-417A-9543-561553CEE0E1}" type="datetimeFigureOut">
               <a:rPr lang="en-US" smtClean="0"/>
-              <a:t>3/17/2020</a:t>
+              <a:t>3/18/2020</a:t>
             </a:fld>
             <a:endParaRPr lang="en-US"/>
           </a:p>
@@ -1972,7 +1972,7 @@
           <a:p>
             <a:fld id="{3428F1E4-6D3D-417A-9543-561553CEE0E1}" type="datetimeFigureOut">
               <a:rPr lang="en-US" smtClean="0"/>
-              <a:t>3/17/2020</a:t>
+              <a:t>3/18/2020</a:t>
             </a:fld>
             <a:endParaRPr lang="en-US"/>
           </a:p>
@@ -2085,7 +2085,7 @@
           <a:p>
             <a:fld id="{3428F1E4-6D3D-417A-9543-561553CEE0E1}" type="datetimeFigureOut">
               <a:rPr lang="en-US" smtClean="0"/>
-              <a:t>3/17/2020</a:t>
+              <a:t>3/18/2020</a:t>
             </a:fld>
             <a:endParaRPr lang="en-US"/>
           </a:p>
@@ -2398,7 +2398,7 @@
           <a:p>
             <a:fld id="{3428F1E4-6D3D-417A-9543-561553CEE0E1}" type="datetimeFigureOut">
               <a:rPr lang="en-US" smtClean="0"/>
-              <a:t>3/17/2020</a:t>
+              <a:t>3/18/2020</a:t>
             </a:fld>
             <a:endParaRPr lang="en-US"/>
           </a:p>
@@ -2687,7 +2687,7 @@
           <a:p>
             <a:fld id="{3428F1E4-6D3D-417A-9543-561553CEE0E1}" type="datetimeFigureOut">
               <a:rPr lang="en-US" smtClean="0"/>
-              <a:t>3/17/2020</a:t>
+              <a:t>3/18/2020</a:t>
             </a:fld>
             <a:endParaRPr lang="en-US"/>
           </a:p>
@@ -2930,7 +2930,7 @@
           <a:p>
             <a:fld id="{3428F1E4-6D3D-417A-9543-561553CEE0E1}" type="datetimeFigureOut">
               <a:rPr lang="en-US" smtClean="0"/>
-              <a:t>3/17/2020</a:t>
+              <a:t>3/18/2020</a:t>
             </a:fld>
             <a:endParaRPr lang="en-US"/>
           </a:p>
@@ -3420,7 +3420,7 @@
         </p:nvSpPr>
         <p:spPr>
           <a:xfrm>
-            <a:off x="7704945" y="2590794"/>
+            <a:off x="6901238" y="2575124"/>
             <a:ext cx="1076587" cy="461395"/>
           </a:xfrm>
           <a:prstGeom prst="rect">
@@ -3479,7 +3479,418 @@
         </p:nvSpPr>
         <p:spPr>
           <a:xfrm>
-            <a:off x="9588971" y="2603380"/>
+            <a:off x="9588970" y="2575124"/>
+            <a:ext cx="1298104" cy="461395"/>
+          </a:xfrm>
+          <a:prstGeom prst="rect">
+            <a:avLst/>
+          </a:prstGeom>
+          <a:noFill/>
+          <a:ln>
+            <a:solidFill>
+              <a:schemeClr val="tx1"/>
+            </a:solidFill>
+          </a:ln>
+        </p:spPr>
+        <p:style>
+          <a:lnRef idx="2">
+            <a:schemeClr val="accent1">
+              <a:shade val="50000"/>
+            </a:schemeClr>
+          </a:lnRef>
+          <a:fillRef idx="1">
+            <a:schemeClr val="accent1"/>
+          </a:fillRef>
+          <a:effectRef idx="0">
+            <a:schemeClr val="accent1"/>
+          </a:effectRef>
+          <a:fontRef idx="minor">
+            <a:schemeClr val="lt1"/>
+          </a:fontRef>
+        </p:style>
+        <p:txBody>
+          <a:bodyPr rtlCol="0" anchor="ctr"/>
+          <a:lstStyle/>
+          <a:p>
+            <a:pPr algn="ctr"/>
+            <a:r>
+              <a:rPr lang="en-US" dirty="0">
+                <a:solidFill>
+                  <a:schemeClr val="tx1"/>
+                </a:solidFill>
+              </a:rPr>
+              <a:t>Generator</a:t>
+            </a:r>
+          </a:p>
+        </p:txBody>
+      </p:sp>
+      <p:sp>
+        <p:nvSpPr>
+          <p:cNvPr id="7" name="矩形 6">
+            <a:extLst>
+              <a:ext uri="{FF2B5EF4-FFF2-40B4-BE49-F238E27FC236}">
+                <a16:creationId xmlns:a16="http://schemas.microsoft.com/office/drawing/2014/main" id="{EFEC1032-2726-4E89-963C-7B4E9B32AE02}"/>
+              </a:ext>
+            </a:extLst>
+          </p:cNvPr>
+          <p:cNvSpPr/>
+          <p:nvPr/>
+        </p:nvSpPr>
+        <p:spPr>
+          <a:xfrm>
+            <a:off x="3783483" y="2578208"/>
+            <a:ext cx="1281418" cy="461395"/>
+          </a:xfrm>
+          <a:prstGeom prst="rect">
+            <a:avLst/>
+          </a:prstGeom>
+          <a:noFill/>
+          <a:ln>
+            <a:solidFill>
+              <a:schemeClr val="tx1"/>
+            </a:solidFill>
+          </a:ln>
+        </p:spPr>
+        <p:style>
+          <a:lnRef idx="2">
+            <a:schemeClr val="accent1">
+              <a:shade val="50000"/>
+            </a:schemeClr>
+          </a:lnRef>
+          <a:fillRef idx="1">
+            <a:schemeClr val="accent1"/>
+          </a:fillRef>
+          <a:effectRef idx="0">
+            <a:schemeClr val="accent1"/>
+          </a:effectRef>
+          <a:fontRef idx="minor">
+            <a:schemeClr val="lt1"/>
+          </a:fontRef>
+        </p:style>
+        <p:txBody>
+          <a:bodyPr rtlCol="0" anchor="ctr"/>
+          <a:lstStyle/>
+          <a:p>
+            <a:pPr algn="ctr"/>
+            <a:r>
+              <a:rPr lang="en-US" dirty="0">
+                <a:solidFill>
+                  <a:schemeClr val="tx1"/>
+                </a:solidFill>
+              </a:rPr>
+              <a:t>Task Controller</a:t>
+            </a:r>
+          </a:p>
+        </p:txBody>
+      </p:sp>
+      <p:sp>
+        <p:nvSpPr>
+          <p:cNvPr id="8" name="矩形 7">
+            <a:extLst>
+              <a:ext uri="{FF2B5EF4-FFF2-40B4-BE49-F238E27FC236}">
+                <a16:creationId xmlns:a16="http://schemas.microsoft.com/office/drawing/2014/main" id="{AA961A20-FC94-4A0A-A3DF-2DAD72D211B8}"/>
+              </a:ext>
+            </a:extLst>
+          </p:cNvPr>
+          <p:cNvSpPr/>
+          <p:nvPr/>
+        </p:nvSpPr>
+        <p:spPr>
+          <a:xfrm>
+            <a:off x="1206876" y="2575122"/>
+            <a:ext cx="1281418" cy="461395"/>
+          </a:xfrm>
+          <a:prstGeom prst="rect">
+            <a:avLst/>
+          </a:prstGeom>
+          <a:noFill/>
+          <a:ln>
+            <a:solidFill>
+              <a:schemeClr val="tx1"/>
+            </a:solidFill>
+          </a:ln>
+        </p:spPr>
+        <p:style>
+          <a:lnRef idx="2">
+            <a:schemeClr val="accent1">
+              <a:shade val="50000"/>
+            </a:schemeClr>
+          </a:lnRef>
+          <a:fillRef idx="1">
+            <a:schemeClr val="accent1"/>
+          </a:fillRef>
+          <a:effectRef idx="0">
+            <a:schemeClr val="accent1"/>
+          </a:effectRef>
+          <a:fontRef idx="minor">
+            <a:schemeClr val="lt1"/>
+          </a:fontRef>
+        </p:style>
+        <p:txBody>
+          <a:bodyPr rtlCol="0" anchor="ctr"/>
+          <a:lstStyle/>
+          <a:p>
+            <a:pPr algn="ctr"/>
+            <a:r>
+              <a:rPr lang="en-US" dirty="0">
+                <a:solidFill>
+                  <a:schemeClr val="tx1"/>
+                </a:solidFill>
+              </a:rPr>
+              <a:t>Command Handler</a:t>
+            </a:r>
+          </a:p>
+        </p:txBody>
+      </p:sp>
+      <p:cxnSp>
+        <p:nvCxnSpPr>
+          <p:cNvPr id="12" name="连接符: 肘形 11">
+            <a:extLst>
+              <a:ext uri="{FF2B5EF4-FFF2-40B4-BE49-F238E27FC236}">
+                <a16:creationId xmlns:a16="http://schemas.microsoft.com/office/drawing/2014/main" id="{C2FB5E14-3779-47AD-A10A-217E4F37035C}"/>
+              </a:ext>
+            </a:extLst>
+          </p:cNvPr>
+          <p:cNvCxnSpPr>
+            <a:stCxn id="2" idx="2"/>
+            <a:endCxn id="8" idx="0"/>
+          </p:cNvCxnSpPr>
+          <p:nvPr/>
+        </p:nvCxnSpPr>
+        <p:spPr>
+          <a:xfrm rot="5400000">
+            <a:off x="3653510" y="48043"/>
+            <a:ext cx="721154" cy="4333004"/>
+          </a:xfrm>
+          <a:prstGeom prst="bentConnector3">
+            <a:avLst/>
+          </a:prstGeom>
+          <a:ln>
+            <a:tailEnd type="triangle"/>
+          </a:ln>
+        </p:spPr>
+        <p:style>
+          <a:lnRef idx="1">
+            <a:schemeClr val="dk1"/>
+          </a:lnRef>
+          <a:fillRef idx="0">
+            <a:schemeClr val="dk1"/>
+          </a:fillRef>
+          <a:effectRef idx="0">
+            <a:schemeClr val="dk1"/>
+          </a:effectRef>
+          <a:fontRef idx="minor">
+            <a:schemeClr val="tx1"/>
+          </a:fontRef>
+        </p:style>
+      </p:cxnSp>
+      <p:cxnSp>
+        <p:nvCxnSpPr>
+          <p:cNvPr id="14" name="连接符: 肘形 13">
+            <a:extLst>
+              <a:ext uri="{FF2B5EF4-FFF2-40B4-BE49-F238E27FC236}">
+                <a16:creationId xmlns:a16="http://schemas.microsoft.com/office/drawing/2014/main" id="{C60FC155-26C4-40C7-A40F-C5A4E6AB3C4F}"/>
+              </a:ext>
+            </a:extLst>
+          </p:cNvPr>
+          <p:cNvCxnSpPr>
+            <a:cxnSpLocks/>
+            <a:stCxn id="2" idx="2"/>
+            <a:endCxn id="7" idx="0"/>
+          </p:cNvCxnSpPr>
+          <p:nvPr/>
+        </p:nvCxnSpPr>
+        <p:spPr>
+          <a:xfrm rot="5400000">
+            <a:off x="4940271" y="1337890"/>
+            <a:ext cx="724240" cy="1756397"/>
+          </a:xfrm>
+          <a:prstGeom prst="bentConnector3">
+            <a:avLst/>
+          </a:prstGeom>
+          <a:ln>
+            <a:tailEnd type="triangle"/>
+          </a:ln>
+        </p:spPr>
+        <p:style>
+          <a:lnRef idx="1">
+            <a:schemeClr val="dk1"/>
+          </a:lnRef>
+          <a:fillRef idx="0">
+            <a:schemeClr val="dk1"/>
+          </a:fillRef>
+          <a:effectRef idx="0">
+            <a:schemeClr val="dk1"/>
+          </a:effectRef>
+          <a:fontRef idx="minor">
+            <a:schemeClr val="tx1"/>
+          </a:fontRef>
+        </p:style>
+      </p:cxnSp>
+      <p:cxnSp>
+        <p:nvCxnSpPr>
+          <p:cNvPr id="16" name="连接符: 肘形 15">
+            <a:extLst>
+              <a:ext uri="{FF2B5EF4-FFF2-40B4-BE49-F238E27FC236}">
+                <a16:creationId xmlns:a16="http://schemas.microsoft.com/office/drawing/2014/main" id="{62A784F1-2591-461D-8BCF-193939A6C4ED}"/>
+              </a:ext>
+            </a:extLst>
+          </p:cNvPr>
+          <p:cNvCxnSpPr>
+            <a:stCxn id="2" idx="2"/>
+            <a:endCxn id="4" idx="0"/>
+          </p:cNvCxnSpPr>
+          <p:nvPr/>
+        </p:nvCxnSpPr>
+        <p:spPr>
+          <a:xfrm rot="16200000" flipH="1">
+            <a:off x="6449482" y="1585074"/>
+            <a:ext cx="721156" cy="1258943"/>
+          </a:xfrm>
+          <a:prstGeom prst="bentConnector3">
+            <a:avLst/>
+          </a:prstGeom>
+          <a:ln>
+            <a:tailEnd type="triangle"/>
+          </a:ln>
+        </p:spPr>
+        <p:style>
+          <a:lnRef idx="1">
+            <a:schemeClr val="dk1"/>
+          </a:lnRef>
+          <a:fillRef idx="0">
+            <a:schemeClr val="dk1"/>
+          </a:fillRef>
+          <a:effectRef idx="0">
+            <a:schemeClr val="dk1"/>
+          </a:effectRef>
+          <a:fontRef idx="minor">
+            <a:schemeClr val="tx1"/>
+          </a:fontRef>
+        </p:style>
+      </p:cxnSp>
+      <p:cxnSp>
+        <p:nvCxnSpPr>
+          <p:cNvPr id="18" name="连接符: 肘形 17">
+            <a:extLst>
+              <a:ext uri="{FF2B5EF4-FFF2-40B4-BE49-F238E27FC236}">
+                <a16:creationId xmlns:a16="http://schemas.microsoft.com/office/drawing/2014/main" id="{A568318A-29D7-42FB-BF58-9E55A272191D}"/>
+              </a:ext>
+            </a:extLst>
+          </p:cNvPr>
+          <p:cNvCxnSpPr>
+            <a:cxnSpLocks/>
+            <a:stCxn id="2" idx="2"/>
+            <a:endCxn id="5" idx="0"/>
+          </p:cNvCxnSpPr>
+          <p:nvPr/>
+        </p:nvCxnSpPr>
+        <p:spPr>
+          <a:xfrm rot="16200000" flipH="1">
+            <a:off x="7848727" y="185829"/>
+            <a:ext cx="721156" cy="4057433"/>
+          </a:xfrm>
+          <a:prstGeom prst="bentConnector3">
+            <a:avLst/>
+          </a:prstGeom>
+          <a:ln>
+            <a:tailEnd type="triangle"/>
+          </a:ln>
+        </p:spPr>
+        <p:style>
+          <a:lnRef idx="1">
+            <a:schemeClr val="dk1"/>
+          </a:lnRef>
+          <a:fillRef idx="0">
+            <a:schemeClr val="dk1"/>
+          </a:fillRef>
+          <a:effectRef idx="0">
+            <a:schemeClr val="dk1"/>
+          </a:effectRef>
+          <a:fontRef idx="minor">
+            <a:schemeClr val="tx1"/>
+          </a:fontRef>
+        </p:style>
+      </p:cxnSp>
+      <p:sp>
+        <p:nvSpPr>
+          <p:cNvPr id="11" name="矩形 10">
+            <a:extLst>
+              <a:ext uri="{FF2B5EF4-FFF2-40B4-BE49-F238E27FC236}">
+                <a16:creationId xmlns:a16="http://schemas.microsoft.com/office/drawing/2014/main" id="{4A5312E9-BEE1-4256-8BCB-583FBB4E7A8F}"/>
+              </a:ext>
+            </a:extLst>
+          </p:cNvPr>
+          <p:cNvSpPr/>
+          <p:nvPr/>
+        </p:nvSpPr>
+        <p:spPr>
+          <a:xfrm>
+            <a:off x="702146" y="3482886"/>
+            <a:ext cx="901372" cy="461395"/>
+          </a:xfrm>
+          <a:prstGeom prst="rect">
+            <a:avLst/>
+          </a:prstGeom>
+          <a:noFill/>
+          <a:ln>
+            <a:solidFill>
+              <a:schemeClr val="tx1"/>
+            </a:solidFill>
+          </a:ln>
+        </p:spPr>
+        <p:style>
+          <a:lnRef idx="2">
+            <a:schemeClr val="accent1">
+              <a:shade val="50000"/>
+            </a:schemeClr>
+          </a:lnRef>
+          <a:fillRef idx="1">
+            <a:schemeClr val="accent1"/>
+          </a:fillRef>
+          <a:effectRef idx="0">
+            <a:schemeClr val="accent1"/>
+          </a:effectRef>
+          <a:fontRef idx="minor">
+            <a:schemeClr val="lt1"/>
+          </a:fontRef>
+        </p:style>
+        <p:txBody>
+          <a:bodyPr rtlCol="0" anchor="ctr"/>
+          <a:lstStyle/>
+          <a:p>
+            <a:pPr algn="ctr"/>
+            <a:r>
+              <a:rPr lang="en-US" altLang="zh-CN" dirty="0">
+                <a:solidFill>
+                  <a:schemeClr val="tx1"/>
+                </a:solidFill>
+              </a:rPr>
+              <a:t>Check  Syntax</a:t>
+            </a:r>
+            <a:endParaRPr lang="en-US" dirty="0">
+              <a:solidFill>
+                <a:schemeClr val="tx1"/>
+              </a:solidFill>
+            </a:endParaRPr>
+          </a:p>
+        </p:txBody>
+      </p:sp>
+      <p:sp>
+        <p:nvSpPr>
+          <p:cNvPr id="15" name="矩形 14">
+            <a:extLst>
+              <a:ext uri="{FF2B5EF4-FFF2-40B4-BE49-F238E27FC236}">
+                <a16:creationId xmlns:a16="http://schemas.microsoft.com/office/drawing/2014/main" id="{5F26E2A6-06F8-4380-A91D-7C17D5D23EC9}"/>
+              </a:ext>
+            </a:extLst>
+          </p:cNvPr>
+          <p:cNvSpPr/>
+          <p:nvPr/>
+        </p:nvSpPr>
+        <p:spPr>
+          <a:xfrm>
+            <a:off x="5717627" y="3487006"/>
             <a:ext cx="1076587" cy="461395"/>
           </a:xfrm>
           <a:prstGeom prst="rect">
@@ -3519,17 +3930,17 @@
                   <a:schemeClr val="tx1"/>
                 </a:solidFill>
               </a:rPr>
-              <a:t>Bean</a:t>
-            </a:r>
-          </a:p>
-        </p:txBody>
-      </p:sp>
-      <p:sp>
-        <p:nvSpPr>
-          <p:cNvPr id="7" name="矩形 6">
-            <a:extLst>
-              <a:ext uri="{FF2B5EF4-FFF2-40B4-BE49-F238E27FC236}">
-                <a16:creationId xmlns:a16="http://schemas.microsoft.com/office/drawing/2014/main" id="{EFEC1032-2726-4E89-963C-7B4E9B32AE02}"/>
+              <a:t>Packages</a:t>
+            </a:r>
+          </a:p>
+        </p:txBody>
+      </p:sp>
+      <p:sp>
+        <p:nvSpPr>
+          <p:cNvPr id="17" name="矩形 16">
+            <a:extLst>
+              <a:ext uri="{FF2B5EF4-FFF2-40B4-BE49-F238E27FC236}">
+                <a16:creationId xmlns:a16="http://schemas.microsoft.com/office/drawing/2014/main" id="{BC005D0D-DC4C-4CAD-9A35-553AB9420A54}"/>
               </a:ext>
             </a:extLst>
           </p:cNvPr>
@@ -3538,8 +3949,8 @@
         </p:nvSpPr>
         <p:spPr>
           <a:xfrm>
-            <a:off x="4482863" y="2584500"/>
-            <a:ext cx="1281418" cy="461395"/>
+            <a:off x="6970469" y="3487009"/>
+            <a:ext cx="942363" cy="461395"/>
           </a:xfrm>
           <a:prstGeom prst="rect">
             <a:avLst/>
@@ -3573,22 +3984,27 @@
           <a:p>
             <a:pPr algn="ctr"/>
             <a:r>
-              <a:rPr lang="en-US" dirty="0">
+              <a:rPr lang="en-US" altLang="zh-CN" dirty="0">
                 <a:solidFill>
                   <a:schemeClr val="tx1"/>
                 </a:solidFill>
               </a:rPr>
-              <a:t>Task Controller</a:t>
-            </a:r>
-          </a:p>
-        </p:txBody>
-      </p:sp>
-      <p:sp>
-        <p:nvSpPr>
-          <p:cNvPr id="8" name="矩形 7">
-            <a:extLst>
-              <a:ext uri="{FF2B5EF4-FFF2-40B4-BE49-F238E27FC236}">
-                <a16:creationId xmlns:a16="http://schemas.microsoft.com/office/drawing/2014/main" id="{AA961A20-FC94-4A0A-A3DF-2DAD72D211B8}"/>
+              <a:t>Classes</a:t>
+            </a:r>
+            <a:endParaRPr lang="en-US" dirty="0">
+              <a:solidFill>
+                <a:schemeClr val="tx1"/>
+              </a:solidFill>
+            </a:endParaRPr>
+          </a:p>
+        </p:txBody>
+      </p:sp>
+      <p:sp>
+        <p:nvSpPr>
+          <p:cNvPr id="19" name="矩形 18">
+            <a:extLst>
+              <a:ext uri="{FF2B5EF4-FFF2-40B4-BE49-F238E27FC236}">
+                <a16:creationId xmlns:a16="http://schemas.microsoft.com/office/drawing/2014/main" id="{A599BBF7-2BF5-4237-BCCF-C476302E0F96}"/>
               </a:ext>
             </a:extLst>
           </p:cNvPr>
@@ -3597,8 +4013,8 @@
         </p:nvSpPr>
         <p:spPr>
           <a:xfrm>
-            <a:off x="2161210" y="2590793"/>
-            <a:ext cx="1281418" cy="461395"/>
+            <a:off x="8089087" y="3487008"/>
+            <a:ext cx="942364" cy="461395"/>
           </a:xfrm>
           <a:prstGeom prst="rect">
             <a:avLst/>
@@ -3632,240 +4048,12 @@
           <a:p>
             <a:pPr algn="ctr"/>
             <a:r>
-              <a:rPr lang="en-US" dirty="0">
-                <a:solidFill>
-                  <a:schemeClr val="tx1"/>
-                </a:solidFill>
-              </a:rPr>
-              <a:t>Command</a:t>
-            </a:r>
-          </a:p>
-        </p:txBody>
-      </p:sp>
-      <p:cxnSp>
-        <p:nvCxnSpPr>
-          <p:cNvPr id="12" name="连接符: 肘形 11">
-            <a:extLst>
-              <a:ext uri="{FF2B5EF4-FFF2-40B4-BE49-F238E27FC236}">
-                <a16:creationId xmlns:a16="http://schemas.microsoft.com/office/drawing/2014/main" id="{C2FB5E14-3779-47AD-A10A-217E4F37035C}"/>
-              </a:ext>
-            </a:extLst>
-          </p:cNvPr>
-          <p:cNvCxnSpPr>
-            <a:stCxn id="2" idx="2"/>
-            <a:endCxn id="8" idx="0"/>
-          </p:cNvCxnSpPr>
-          <p:nvPr/>
-        </p:nvCxnSpPr>
-        <p:spPr>
-          <a:xfrm rot="5400000">
-            <a:off x="4122842" y="533045"/>
-            <a:ext cx="736825" cy="3378670"/>
-          </a:xfrm>
-          <a:prstGeom prst="bentConnector3">
-            <a:avLst/>
-          </a:prstGeom>
-          <a:ln>
-            <a:tailEnd type="triangle"/>
-          </a:ln>
-        </p:spPr>
-        <p:style>
-          <a:lnRef idx="1">
-            <a:schemeClr val="dk1"/>
-          </a:lnRef>
-          <a:fillRef idx="0">
-            <a:schemeClr val="dk1"/>
-          </a:fillRef>
-          <a:effectRef idx="0">
-            <a:schemeClr val="dk1"/>
-          </a:effectRef>
-          <a:fontRef idx="minor">
-            <a:schemeClr val="tx1"/>
-          </a:fontRef>
-        </p:style>
-      </p:cxnSp>
-      <p:cxnSp>
-        <p:nvCxnSpPr>
-          <p:cNvPr id="14" name="连接符: 肘形 13">
-            <a:extLst>
-              <a:ext uri="{FF2B5EF4-FFF2-40B4-BE49-F238E27FC236}">
-                <a16:creationId xmlns:a16="http://schemas.microsoft.com/office/drawing/2014/main" id="{C60FC155-26C4-40C7-A40F-C5A4E6AB3C4F}"/>
-              </a:ext>
-            </a:extLst>
-          </p:cNvPr>
-          <p:cNvCxnSpPr>
-            <a:cxnSpLocks/>
-            <a:stCxn id="2" idx="2"/>
-            <a:endCxn id="7" idx="0"/>
-          </p:cNvCxnSpPr>
-          <p:nvPr/>
-        </p:nvCxnSpPr>
-        <p:spPr>
-          <a:xfrm rot="5400000">
-            <a:off x="5286815" y="1690726"/>
-            <a:ext cx="730532" cy="1057017"/>
-          </a:xfrm>
-          <a:prstGeom prst="bentConnector3">
-            <a:avLst/>
-          </a:prstGeom>
-          <a:ln>
-            <a:tailEnd type="triangle"/>
-          </a:ln>
-        </p:spPr>
-        <p:style>
-          <a:lnRef idx="1">
-            <a:schemeClr val="dk1"/>
-          </a:lnRef>
-          <a:fillRef idx="0">
-            <a:schemeClr val="dk1"/>
-          </a:fillRef>
-          <a:effectRef idx="0">
-            <a:schemeClr val="dk1"/>
-          </a:effectRef>
-          <a:fontRef idx="minor">
-            <a:schemeClr val="tx1"/>
-          </a:fontRef>
-        </p:style>
-      </p:cxnSp>
-      <p:cxnSp>
-        <p:nvCxnSpPr>
-          <p:cNvPr id="16" name="连接符: 肘形 15">
-            <a:extLst>
-              <a:ext uri="{FF2B5EF4-FFF2-40B4-BE49-F238E27FC236}">
-                <a16:creationId xmlns:a16="http://schemas.microsoft.com/office/drawing/2014/main" id="{62A784F1-2591-461D-8BCF-193939A6C4ED}"/>
-              </a:ext>
-            </a:extLst>
-          </p:cNvPr>
-          <p:cNvCxnSpPr>
-            <a:stCxn id="2" idx="2"/>
-            <a:endCxn id="4" idx="0"/>
-          </p:cNvCxnSpPr>
-          <p:nvPr/>
-        </p:nvCxnSpPr>
-        <p:spPr>
-          <a:xfrm rot="16200000" flipH="1">
-            <a:off x="6843501" y="1191056"/>
-            <a:ext cx="736826" cy="2062650"/>
-          </a:xfrm>
-          <a:prstGeom prst="bentConnector3">
-            <a:avLst/>
-          </a:prstGeom>
-          <a:ln>
-            <a:tailEnd type="triangle"/>
-          </a:ln>
-        </p:spPr>
-        <p:style>
-          <a:lnRef idx="1">
-            <a:schemeClr val="dk1"/>
-          </a:lnRef>
-          <a:fillRef idx="0">
-            <a:schemeClr val="dk1"/>
-          </a:fillRef>
-          <a:effectRef idx="0">
-            <a:schemeClr val="dk1"/>
-          </a:effectRef>
-          <a:fontRef idx="minor">
-            <a:schemeClr val="tx1"/>
-          </a:fontRef>
-        </p:style>
-      </p:cxnSp>
-      <p:cxnSp>
-        <p:nvCxnSpPr>
-          <p:cNvPr id="18" name="连接符: 肘形 17">
-            <a:extLst>
-              <a:ext uri="{FF2B5EF4-FFF2-40B4-BE49-F238E27FC236}">
-                <a16:creationId xmlns:a16="http://schemas.microsoft.com/office/drawing/2014/main" id="{A568318A-29D7-42FB-BF58-9E55A272191D}"/>
-              </a:ext>
-            </a:extLst>
-          </p:cNvPr>
-          <p:cNvCxnSpPr>
-            <a:stCxn id="2" idx="2"/>
-            <a:endCxn id="5" idx="0"/>
-          </p:cNvCxnSpPr>
-          <p:nvPr/>
-        </p:nvCxnSpPr>
-        <p:spPr>
-          <a:xfrm rot="16200000" flipH="1">
-            <a:off x="7779221" y="255336"/>
-            <a:ext cx="749412" cy="3946676"/>
-          </a:xfrm>
-          <a:prstGeom prst="bentConnector3">
-            <a:avLst/>
-          </a:prstGeom>
-          <a:ln>
-            <a:tailEnd type="triangle"/>
-          </a:ln>
-        </p:spPr>
-        <p:style>
-          <a:lnRef idx="1">
-            <a:schemeClr val="dk1"/>
-          </a:lnRef>
-          <a:fillRef idx="0">
-            <a:schemeClr val="dk1"/>
-          </a:fillRef>
-          <a:effectRef idx="0">
-            <a:schemeClr val="dk1"/>
-          </a:effectRef>
-          <a:fontRef idx="minor">
-            <a:schemeClr val="tx1"/>
-          </a:fontRef>
-        </p:style>
-      </p:cxnSp>
-      <p:sp>
-        <p:nvSpPr>
-          <p:cNvPr id="11" name="矩形 10">
-            <a:extLst>
-              <a:ext uri="{FF2B5EF4-FFF2-40B4-BE49-F238E27FC236}">
-                <a16:creationId xmlns:a16="http://schemas.microsoft.com/office/drawing/2014/main" id="{4A5312E9-BEE1-4256-8BCB-583FBB4E7A8F}"/>
-              </a:ext>
-            </a:extLst>
-          </p:cNvPr>
-          <p:cNvSpPr/>
-          <p:nvPr/>
-        </p:nvSpPr>
-        <p:spPr>
-          <a:xfrm>
-            <a:off x="1840592" y="3500998"/>
-            <a:ext cx="780172" cy="461395"/>
-          </a:xfrm>
-          <a:prstGeom prst="rect">
-            <a:avLst/>
-          </a:prstGeom>
-          <a:noFill/>
-          <a:ln>
-            <a:solidFill>
-              <a:schemeClr val="tx1"/>
-            </a:solidFill>
-          </a:ln>
-        </p:spPr>
-        <p:style>
-          <a:lnRef idx="2">
-            <a:schemeClr val="accent1">
-              <a:shade val="50000"/>
-            </a:schemeClr>
-          </a:lnRef>
-          <a:fillRef idx="1">
-            <a:schemeClr val="accent1"/>
-          </a:fillRef>
-          <a:effectRef idx="0">
-            <a:schemeClr val="accent1"/>
-          </a:effectRef>
-          <a:fontRef idx="minor">
-            <a:schemeClr val="lt1"/>
-          </a:fontRef>
-        </p:style>
-        <p:txBody>
-          <a:bodyPr rtlCol="0" anchor="ctr"/>
-          <a:lstStyle/>
-          <a:p>
-            <a:pPr algn="ctr"/>
-            <a:r>
               <a:rPr lang="en-US" altLang="zh-CN" dirty="0">
                 <a:solidFill>
                   <a:schemeClr val="tx1"/>
                 </a:solidFill>
               </a:rPr>
-              <a:t>check</a:t>
+              <a:t>Class Details</a:t>
             </a:r>
             <a:endParaRPr lang="en-US" dirty="0">
               <a:solidFill>
@@ -3877,10 +4065,10 @@
       </p:sp>
       <p:sp>
         <p:nvSpPr>
-          <p:cNvPr id="13" name="矩形 12">
-            <a:extLst>
-              <a:ext uri="{FF2B5EF4-FFF2-40B4-BE49-F238E27FC236}">
-                <a16:creationId xmlns:a16="http://schemas.microsoft.com/office/drawing/2014/main" id="{CC6054E6-483E-4768-AFDB-AD8EFC53691A}"/>
+          <p:cNvPr id="20" name="矩形 19">
+            <a:extLst>
+              <a:ext uri="{FF2B5EF4-FFF2-40B4-BE49-F238E27FC236}">
+                <a16:creationId xmlns:a16="http://schemas.microsoft.com/office/drawing/2014/main" id="{BBB2ADFB-5688-4662-9773-FFE542B007A0}"/>
               </a:ext>
             </a:extLst>
           </p:cNvPr>
@@ -3889,71 +4077,7 @@
         </p:nvSpPr>
         <p:spPr>
           <a:xfrm>
-            <a:off x="2797019" y="3501001"/>
-            <a:ext cx="843964" cy="461395"/>
-          </a:xfrm>
-          <a:prstGeom prst="rect">
-            <a:avLst/>
-          </a:prstGeom>
-          <a:noFill/>
-          <a:ln>
-            <a:solidFill>
-              <a:schemeClr val="tx1"/>
-            </a:solidFill>
-          </a:ln>
-        </p:spPr>
-        <p:style>
-          <a:lnRef idx="2">
-            <a:schemeClr val="accent1">
-              <a:shade val="50000"/>
-            </a:schemeClr>
-          </a:lnRef>
-          <a:fillRef idx="1">
-            <a:schemeClr val="accent1"/>
-          </a:fillRef>
-          <a:effectRef idx="0">
-            <a:schemeClr val="accent1"/>
-          </a:effectRef>
-          <a:fontRef idx="minor">
-            <a:schemeClr val="lt1"/>
-          </a:fontRef>
-        </p:style>
-        <p:txBody>
-          <a:bodyPr rtlCol="0" anchor="ctr"/>
-          <a:lstStyle/>
-          <a:p>
-            <a:pPr algn="ctr"/>
-            <a:r>
-              <a:rPr lang="en-US" altLang="zh-CN" dirty="0">
-                <a:solidFill>
-                  <a:schemeClr val="tx1"/>
-                </a:solidFill>
-              </a:rPr>
-              <a:t>Trigger Task</a:t>
-            </a:r>
-            <a:endParaRPr lang="en-US" dirty="0">
-              <a:solidFill>
-                <a:schemeClr val="tx1"/>
-              </a:solidFill>
-            </a:endParaRPr>
-          </a:p>
-        </p:txBody>
-      </p:sp>
-      <p:sp>
-        <p:nvSpPr>
-          <p:cNvPr id="15" name="矩形 14">
-            <a:extLst>
-              <a:ext uri="{FF2B5EF4-FFF2-40B4-BE49-F238E27FC236}">
-                <a16:creationId xmlns:a16="http://schemas.microsoft.com/office/drawing/2014/main" id="{5F26E2A6-06F8-4380-A91D-7C17D5D23EC9}"/>
-              </a:ext>
-            </a:extLst>
-          </p:cNvPr>
-          <p:cNvSpPr/>
-          <p:nvPr/>
-        </p:nvSpPr>
-        <p:spPr>
-          <a:xfrm>
-            <a:off x="6520388" y="3487006"/>
+            <a:off x="3249383" y="3494709"/>
             <a:ext cx="1076587" cy="461395"/>
           </a:xfrm>
           <a:prstGeom prst="rect">
@@ -3988,71 +4112,12 @@
           <a:p>
             <a:pPr algn="ctr"/>
             <a:r>
-              <a:rPr lang="en-US" dirty="0">
-                <a:solidFill>
-                  <a:schemeClr val="tx1"/>
-                </a:solidFill>
-              </a:rPr>
-              <a:t>Packages</a:t>
-            </a:r>
-          </a:p>
-        </p:txBody>
-      </p:sp>
-      <p:sp>
-        <p:nvSpPr>
-          <p:cNvPr id="17" name="矩形 16">
-            <a:extLst>
-              <a:ext uri="{FF2B5EF4-FFF2-40B4-BE49-F238E27FC236}">
-                <a16:creationId xmlns:a16="http://schemas.microsoft.com/office/drawing/2014/main" id="{BC005D0D-DC4C-4CAD-9A35-553AB9420A54}"/>
-              </a:ext>
-            </a:extLst>
-          </p:cNvPr>
-          <p:cNvSpPr/>
-          <p:nvPr/>
-        </p:nvSpPr>
-        <p:spPr>
-          <a:xfrm>
-            <a:off x="7773230" y="3487009"/>
-            <a:ext cx="942363" cy="461395"/>
-          </a:xfrm>
-          <a:prstGeom prst="rect">
-            <a:avLst/>
-          </a:prstGeom>
-          <a:noFill/>
-          <a:ln>
-            <a:solidFill>
-              <a:schemeClr val="tx1"/>
-            </a:solidFill>
-          </a:ln>
-        </p:spPr>
-        <p:style>
-          <a:lnRef idx="2">
-            <a:schemeClr val="accent1">
-              <a:shade val="50000"/>
-            </a:schemeClr>
-          </a:lnRef>
-          <a:fillRef idx="1">
-            <a:schemeClr val="accent1"/>
-          </a:fillRef>
-          <a:effectRef idx="0">
-            <a:schemeClr val="accent1"/>
-          </a:effectRef>
-          <a:fontRef idx="minor">
-            <a:schemeClr val="lt1"/>
-          </a:fontRef>
-        </p:style>
-        <p:txBody>
-          <a:bodyPr rtlCol="0" anchor="ctr"/>
-          <a:lstStyle/>
-          <a:p>
-            <a:pPr algn="ctr"/>
-            <a:r>
               <a:rPr lang="en-US" altLang="zh-CN" dirty="0">
                 <a:solidFill>
                   <a:schemeClr val="tx1"/>
                 </a:solidFill>
               </a:rPr>
-              <a:t>Classes</a:t>
+              <a:t>Executor Pool</a:t>
             </a:r>
             <a:endParaRPr lang="en-US" dirty="0">
               <a:solidFill>
@@ -4064,10 +4129,10 @@
       </p:sp>
       <p:sp>
         <p:nvSpPr>
-          <p:cNvPr id="19" name="矩形 18">
-            <a:extLst>
-              <a:ext uri="{FF2B5EF4-FFF2-40B4-BE49-F238E27FC236}">
-                <a16:creationId xmlns:a16="http://schemas.microsoft.com/office/drawing/2014/main" id="{A599BBF7-2BF5-4237-BCCF-C476302E0F96}"/>
+          <p:cNvPr id="22" name="矩形 21">
+            <a:extLst>
+              <a:ext uri="{FF2B5EF4-FFF2-40B4-BE49-F238E27FC236}">
+                <a16:creationId xmlns:a16="http://schemas.microsoft.com/office/drawing/2014/main" id="{A92E7101-1A15-4989-9528-8E4F13B0FBC4}"/>
               </a:ext>
             </a:extLst>
           </p:cNvPr>
@@ -4076,71 +4141,7 @@
         </p:nvSpPr>
         <p:spPr>
           <a:xfrm>
-            <a:off x="8891848" y="3487008"/>
-            <a:ext cx="942364" cy="461395"/>
-          </a:xfrm>
-          <a:prstGeom prst="rect">
-            <a:avLst/>
-          </a:prstGeom>
-          <a:noFill/>
-          <a:ln>
-            <a:solidFill>
-              <a:schemeClr val="tx1"/>
-            </a:solidFill>
-          </a:ln>
-        </p:spPr>
-        <p:style>
-          <a:lnRef idx="2">
-            <a:schemeClr val="accent1">
-              <a:shade val="50000"/>
-            </a:schemeClr>
-          </a:lnRef>
-          <a:fillRef idx="1">
-            <a:schemeClr val="accent1"/>
-          </a:fillRef>
-          <a:effectRef idx="0">
-            <a:schemeClr val="accent1"/>
-          </a:effectRef>
-          <a:fontRef idx="minor">
-            <a:schemeClr val="lt1"/>
-          </a:fontRef>
-        </p:style>
-        <p:txBody>
-          <a:bodyPr rtlCol="0" anchor="ctr"/>
-          <a:lstStyle/>
-          <a:p>
-            <a:pPr algn="ctr"/>
-            <a:r>
-              <a:rPr lang="en-US" altLang="zh-CN" dirty="0">
-                <a:solidFill>
-                  <a:schemeClr val="tx1"/>
-                </a:solidFill>
-              </a:rPr>
-              <a:t>Class Details</a:t>
-            </a:r>
-            <a:endParaRPr lang="en-US" dirty="0">
-              <a:solidFill>
-                <a:schemeClr val="tx1"/>
-              </a:solidFill>
-            </a:endParaRPr>
-          </a:p>
-        </p:txBody>
-      </p:sp>
-      <p:sp>
-        <p:nvSpPr>
-          <p:cNvPr id="20" name="矩形 19">
-            <a:extLst>
-              <a:ext uri="{FF2B5EF4-FFF2-40B4-BE49-F238E27FC236}">
-                <a16:creationId xmlns:a16="http://schemas.microsoft.com/office/drawing/2014/main" id="{BBB2ADFB-5688-4662-9773-FFE542B007A0}"/>
-              </a:ext>
-            </a:extLst>
-          </p:cNvPr>
-          <p:cNvSpPr/>
-          <p:nvPr/>
-        </p:nvSpPr>
-        <p:spPr>
-          <a:xfrm>
-            <a:off x="3948763" y="3501001"/>
+            <a:off x="4454731" y="3494707"/>
             <a:ext cx="1076587" cy="461395"/>
           </a:xfrm>
           <a:prstGeom prst="rect">
@@ -4180,7 +4181,7 @@
                   <a:schemeClr val="tx1"/>
                 </a:solidFill>
               </a:rPr>
-              <a:t>Executor Pool</a:t>
+              <a:t>Task Queue</a:t>
             </a:r>
             <a:endParaRPr lang="en-US" dirty="0">
               <a:solidFill>
@@ -4190,12 +4191,265 @@
           </a:p>
         </p:txBody>
       </p:sp>
-      <p:sp>
-        <p:nvSpPr>
-          <p:cNvPr id="22" name="矩形 21">
-            <a:extLst>
-              <a:ext uri="{FF2B5EF4-FFF2-40B4-BE49-F238E27FC236}">
-                <a16:creationId xmlns:a16="http://schemas.microsoft.com/office/drawing/2014/main" id="{A92E7101-1A15-4989-9528-8E4F13B0FBC4}"/>
+      <p:cxnSp>
+        <p:nvCxnSpPr>
+          <p:cNvPr id="35" name="连接符: 肘形 34">
+            <a:extLst>
+              <a:ext uri="{FF2B5EF4-FFF2-40B4-BE49-F238E27FC236}">
+                <a16:creationId xmlns:a16="http://schemas.microsoft.com/office/drawing/2014/main" id="{61A5E917-A124-473E-8DB6-19D3198C73B1}"/>
+              </a:ext>
+            </a:extLst>
+          </p:cNvPr>
+          <p:cNvCxnSpPr>
+            <a:cxnSpLocks/>
+            <a:stCxn id="8" idx="2"/>
+            <a:endCxn id="11" idx="0"/>
+          </p:cNvCxnSpPr>
+          <p:nvPr/>
+        </p:nvCxnSpPr>
+        <p:spPr>
+          <a:xfrm rot="5400000">
+            <a:off x="1277025" y="2912325"/>
+            <a:ext cx="446369" cy="694753"/>
+          </a:xfrm>
+          <a:prstGeom prst="bentConnector3">
+            <a:avLst/>
+          </a:prstGeom>
+          <a:ln>
+            <a:tailEnd type="triangle"/>
+          </a:ln>
+        </p:spPr>
+        <p:style>
+          <a:lnRef idx="1">
+            <a:schemeClr val="dk1"/>
+          </a:lnRef>
+          <a:fillRef idx="0">
+            <a:schemeClr val="dk1"/>
+          </a:fillRef>
+          <a:effectRef idx="0">
+            <a:schemeClr val="dk1"/>
+          </a:effectRef>
+          <a:fontRef idx="minor">
+            <a:schemeClr val="tx1"/>
+          </a:fontRef>
+        </p:style>
+      </p:cxnSp>
+      <p:cxnSp>
+        <p:nvCxnSpPr>
+          <p:cNvPr id="39" name="连接符: 肘形 38">
+            <a:extLst>
+              <a:ext uri="{FF2B5EF4-FFF2-40B4-BE49-F238E27FC236}">
+                <a16:creationId xmlns:a16="http://schemas.microsoft.com/office/drawing/2014/main" id="{7ACDA5B6-E134-4BB3-9385-DCB14579B755}"/>
+              </a:ext>
+            </a:extLst>
+          </p:cNvPr>
+          <p:cNvCxnSpPr>
+            <a:stCxn id="7" idx="2"/>
+            <a:endCxn id="20" idx="0"/>
+          </p:cNvCxnSpPr>
+          <p:nvPr/>
+        </p:nvCxnSpPr>
+        <p:spPr>
+          <a:xfrm rot="5400000">
+            <a:off x="3878382" y="2948899"/>
+            <a:ext cx="455106" cy="636515"/>
+          </a:xfrm>
+          <a:prstGeom prst="bentConnector3">
+            <a:avLst/>
+          </a:prstGeom>
+          <a:ln>
+            <a:tailEnd type="triangle"/>
+          </a:ln>
+        </p:spPr>
+        <p:style>
+          <a:lnRef idx="1">
+            <a:schemeClr val="dk1"/>
+          </a:lnRef>
+          <a:fillRef idx="0">
+            <a:schemeClr val="dk1"/>
+          </a:fillRef>
+          <a:effectRef idx="0">
+            <a:schemeClr val="dk1"/>
+          </a:effectRef>
+          <a:fontRef idx="minor">
+            <a:schemeClr val="tx1"/>
+          </a:fontRef>
+        </p:style>
+      </p:cxnSp>
+      <p:cxnSp>
+        <p:nvCxnSpPr>
+          <p:cNvPr id="41" name="连接符: 肘形 40">
+            <a:extLst>
+              <a:ext uri="{FF2B5EF4-FFF2-40B4-BE49-F238E27FC236}">
+                <a16:creationId xmlns:a16="http://schemas.microsoft.com/office/drawing/2014/main" id="{3A9F1437-82C8-4F84-8FB3-5E04ECB626D6}"/>
+              </a:ext>
+            </a:extLst>
+          </p:cNvPr>
+          <p:cNvCxnSpPr>
+            <a:stCxn id="7" idx="2"/>
+            <a:endCxn id="22" idx="0"/>
+          </p:cNvCxnSpPr>
+          <p:nvPr/>
+        </p:nvCxnSpPr>
+        <p:spPr>
+          <a:xfrm rot="16200000" flipH="1">
+            <a:off x="4481056" y="2982738"/>
+            <a:ext cx="455104" cy="568833"/>
+          </a:xfrm>
+          <a:prstGeom prst="bentConnector3">
+            <a:avLst/>
+          </a:prstGeom>
+          <a:ln>
+            <a:tailEnd type="triangle"/>
+          </a:ln>
+        </p:spPr>
+        <p:style>
+          <a:lnRef idx="1">
+            <a:schemeClr val="dk1"/>
+          </a:lnRef>
+          <a:fillRef idx="0">
+            <a:schemeClr val="dk1"/>
+          </a:fillRef>
+          <a:effectRef idx="0">
+            <a:schemeClr val="dk1"/>
+          </a:effectRef>
+          <a:fontRef idx="minor">
+            <a:schemeClr val="tx1"/>
+          </a:fontRef>
+        </p:style>
+      </p:cxnSp>
+      <p:cxnSp>
+        <p:nvCxnSpPr>
+          <p:cNvPr id="43" name="连接符: 肘形 42">
+            <a:extLst>
+              <a:ext uri="{FF2B5EF4-FFF2-40B4-BE49-F238E27FC236}">
+                <a16:creationId xmlns:a16="http://schemas.microsoft.com/office/drawing/2014/main" id="{6889DA98-C881-47E6-A6F7-FE0516E27007}"/>
+              </a:ext>
+            </a:extLst>
+          </p:cNvPr>
+          <p:cNvCxnSpPr>
+            <a:stCxn id="4" idx="2"/>
+            <a:endCxn id="15" idx="0"/>
+          </p:cNvCxnSpPr>
+          <p:nvPr/>
+        </p:nvCxnSpPr>
+        <p:spPr>
+          <a:xfrm rot="5400000">
+            <a:off x="6622484" y="2669957"/>
+            <a:ext cx="450487" cy="1183611"/>
+          </a:xfrm>
+          <a:prstGeom prst="bentConnector3">
+            <a:avLst/>
+          </a:prstGeom>
+          <a:ln>
+            <a:tailEnd type="triangle"/>
+          </a:ln>
+        </p:spPr>
+        <p:style>
+          <a:lnRef idx="1">
+            <a:schemeClr val="dk1"/>
+          </a:lnRef>
+          <a:fillRef idx="0">
+            <a:schemeClr val="dk1"/>
+          </a:fillRef>
+          <a:effectRef idx="0">
+            <a:schemeClr val="dk1"/>
+          </a:effectRef>
+          <a:fontRef idx="minor">
+            <a:schemeClr val="tx1"/>
+          </a:fontRef>
+        </p:style>
+      </p:cxnSp>
+      <p:cxnSp>
+        <p:nvCxnSpPr>
+          <p:cNvPr id="45" name="连接符: 肘形 44">
+            <a:extLst>
+              <a:ext uri="{FF2B5EF4-FFF2-40B4-BE49-F238E27FC236}">
+                <a16:creationId xmlns:a16="http://schemas.microsoft.com/office/drawing/2014/main" id="{68DED679-A863-4A03-88D0-E3B3CC822E46}"/>
+              </a:ext>
+            </a:extLst>
+          </p:cNvPr>
+          <p:cNvCxnSpPr>
+            <a:stCxn id="4" idx="2"/>
+            <a:endCxn id="17" idx="0"/>
+          </p:cNvCxnSpPr>
+          <p:nvPr/>
+        </p:nvCxnSpPr>
+        <p:spPr>
+          <a:xfrm rot="16200000" flipH="1">
+            <a:off x="7215346" y="3260704"/>
+            <a:ext cx="450490" cy="2119"/>
+          </a:xfrm>
+          <a:prstGeom prst="bentConnector3">
+            <a:avLst/>
+          </a:prstGeom>
+          <a:ln>
+            <a:tailEnd type="triangle"/>
+          </a:ln>
+        </p:spPr>
+        <p:style>
+          <a:lnRef idx="1">
+            <a:schemeClr val="dk1"/>
+          </a:lnRef>
+          <a:fillRef idx="0">
+            <a:schemeClr val="dk1"/>
+          </a:fillRef>
+          <a:effectRef idx="0">
+            <a:schemeClr val="dk1"/>
+          </a:effectRef>
+          <a:fontRef idx="minor">
+            <a:schemeClr val="tx1"/>
+          </a:fontRef>
+        </p:style>
+      </p:cxnSp>
+      <p:cxnSp>
+        <p:nvCxnSpPr>
+          <p:cNvPr id="47" name="连接符: 肘形 46">
+            <a:extLst>
+              <a:ext uri="{FF2B5EF4-FFF2-40B4-BE49-F238E27FC236}">
+                <a16:creationId xmlns:a16="http://schemas.microsoft.com/office/drawing/2014/main" id="{4FF0D02D-E796-45C5-873C-93A27F82D68A}"/>
+              </a:ext>
+            </a:extLst>
+          </p:cNvPr>
+          <p:cNvCxnSpPr>
+            <a:stCxn id="4" idx="2"/>
+            <a:endCxn id="19" idx="0"/>
+          </p:cNvCxnSpPr>
+          <p:nvPr/>
+        </p:nvCxnSpPr>
+        <p:spPr>
+          <a:xfrm rot="16200000" flipH="1">
+            <a:off x="7774656" y="2701394"/>
+            <a:ext cx="450489" cy="1120737"/>
+          </a:xfrm>
+          <a:prstGeom prst="bentConnector3">
+            <a:avLst/>
+          </a:prstGeom>
+          <a:ln>
+            <a:tailEnd type="triangle"/>
+          </a:ln>
+        </p:spPr>
+        <p:style>
+          <a:lnRef idx="1">
+            <a:schemeClr val="dk1"/>
+          </a:lnRef>
+          <a:fillRef idx="0">
+            <a:schemeClr val="dk1"/>
+          </a:fillRef>
+          <a:effectRef idx="0">
+            <a:schemeClr val="dk1"/>
+          </a:effectRef>
+          <a:fontRef idx="minor">
+            <a:schemeClr val="tx1"/>
+          </a:fontRef>
+        </p:style>
+      </p:cxnSp>
+      <p:sp>
+        <p:nvSpPr>
+          <p:cNvPr id="26" name="矩形 25">
+            <a:extLst>
+              <a:ext uri="{FF2B5EF4-FFF2-40B4-BE49-F238E27FC236}">
+                <a16:creationId xmlns:a16="http://schemas.microsoft.com/office/drawing/2014/main" id="{2E72D653-46E5-4EDC-81D1-6017537EEF35}"/>
               </a:ext>
             </a:extLst>
           </p:cNvPr>
@@ -4204,8 +4458,8 @@
         </p:nvSpPr>
         <p:spPr>
           <a:xfrm>
-            <a:off x="5154111" y="3500999"/>
-            <a:ext cx="1076587" cy="461395"/>
+            <a:off x="1965044" y="3480714"/>
+            <a:ext cx="1058397" cy="461395"/>
           </a:xfrm>
           <a:prstGeom prst="rect">
             <a:avLst/>
@@ -4244,7 +4498,7 @@
                   <a:schemeClr val="tx1"/>
                 </a:solidFill>
               </a:rPr>
-              <a:t>Task Queue</a:t>
+              <a:t>Error Message</a:t>
             </a:r>
             <a:endParaRPr lang="en-US" dirty="0">
               <a:solidFill>
@@ -4256,23 +4510,24 @@
       </p:sp>
       <p:cxnSp>
         <p:nvCxnSpPr>
-          <p:cNvPr id="35" name="连接符: 肘形 34">
-            <a:extLst>
-              <a:ext uri="{FF2B5EF4-FFF2-40B4-BE49-F238E27FC236}">
-                <a16:creationId xmlns:a16="http://schemas.microsoft.com/office/drawing/2014/main" id="{61A5E917-A124-473E-8DB6-19D3198C73B1}"/>
+          <p:cNvPr id="10" name="连接符: 肘形 9">
+            <a:extLst>
+              <a:ext uri="{FF2B5EF4-FFF2-40B4-BE49-F238E27FC236}">
+                <a16:creationId xmlns:a16="http://schemas.microsoft.com/office/drawing/2014/main" id="{8DF24834-09A8-4D37-9653-402FB3245C83}"/>
               </a:ext>
             </a:extLst>
           </p:cNvPr>
           <p:cNvCxnSpPr>
+            <a:cxnSpLocks/>
             <a:stCxn id="8" idx="2"/>
-            <a:endCxn id="11" idx="0"/>
+            <a:endCxn id="26" idx="0"/>
           </p:cNvCxnSpPr>
           <p:nvPr/>
         </p:nvCxnSpPr>
         <p:spPr>
-          <a:xfrm rot="5400000">
-            <a:off x="2291894" y="2990973"/>
-            <a:ext cx="448810" cy="571241"/>
+          <a:xfrm rot="16200000" flipH="1">
+            <a:off x="1948816" y="2935286"/>
+            <a:ext cx="444197" cy="646658"/>
           </a:xfrm>
           <a:prstGeom prst="bentConnector3">
             <a:avLst/>
@@ -4296,235 +4551,84 @@
           </a:fontRef>
         </p:style>
       </p:cxnSp>
+      <p:sp>
+        <p:nvSpPr>
+          <p:cNvPr id="60" name="矩形 59">
+            <a:extLst>
+              <a:ext uri="{FF2B5EF4-FFF2-40B4-BE49-F238E27FC236}">
+                <a16:creationId xmlns:a16="http://schemas.microsoft.com/office/drawing/2014/main" id="{06272A72-A361-48F9-BFCC-39203B54FEE5}"/>
+              </a:ext>
+            </a:extLst>
+          </p:cNvPr>
+          <p:cNvSpPr/>
+          <p:nvPr/>
+        </p:nvSpPr>
+        <p:spPr>
+          <a:xfrm>
+            <a:off x="9442318" y="3494706"/>
+            <a:ext cx="1591409" cy="461395"/>
+          </a:xfrm>
+          <a:prstGeom prst="rect">
+            <a:avLst/>
+          </a:prstGeom>
+          <a:noFill/>
+          <a:ln>
+            <a:solidFill>
+              <a:schemeClr val="tx1"/>
+            </a:solidFill>
+          </a:ln>
+        </p:spPr>
+        <p:style>
+          <a:lnRef idx="2">
+            <a:schemeClr val="accent1">
+              <a:shade val="50000"/>
+            </a:schemeClr>
+          </a:lnRef>
+          <a:fillRef idx="1">
+            <a:schemeClr val="accent1"/>
+          </a:fillRef>
+          <a:effectRef idx="0">
+            <a:schemeClr val="accent1"/>
+          </a:effectRef>
+          <a:fontRef idx="minor">
+            <a:schemeClr val="lt1"/>
+          </a:fontRef>
+        </p:style>
+        <p:txBody>
+          <a:bodyPr rtlCol="0" anchor="ctr"/>
+          <a:lstStyle/>
+          <a:p>
+            <a:pPr algn="ctr"/>
+            <a:r>
+              <a:rPr lang="en-US" dirty="0">
+                <a:solidFill>
+                  <a:schemeClr val="tx1"/>
+                </a:solidFill>
+              </a:rPr>
+              <a:t>Class Diagram text</a:t>
+            </a:r>
+          </a:p>
+        </p:txBody>
+      </p:sp>
       <p:cxnSp>
         <p:nvCxnSpPr>
-          <p:cNvPr id="37" name="连接符: 肘形 36">
-            <a:extLst>
-              <a:ext uri="{FF2B5EF4-FFF2-40B4-BE49-F238E27FC236}">
-                <a16:creationId xmlns:a16="http://schemas.microsoft.com/office/drawing/2014/main" id="{39D29AD4-3DF7-444D-9D01-BF31F2818961}"/>
+          <p:cNvPr id="64" name="连接符: 肘形 63">
+            <a:extLst>
+              <a:ext uri="{FF2B5EF4-FFF2-40B4-BE49-F238E27FC236}">
+                <a16:creationId xmlns:a16="http://schemas.microsoft.com/office/drawing/2014/main" id="{DE81CE4F-D118-479A-9F33-9194245E62FC}"/>
               </a:ext>
             </a:extLst>
           </p:cNvPr>
           <p:cNvCxnSpPr>
-            <a:stCxn id="8" idx="2"/>
-            <a:endCxn id="13" idx="0"/>
+            <a:stCxn id="5" idx="2"/>
+            <a:endCxn id="60" idx="0"/>
           </p:cNvCxnSpPr>
           <p:nvPr/>
         </p:nvCxnSpPr>
         <p:spPr>
           <a:xfrm rot="16200000" flipH="1">
-            <a:off x="2786054" y="3068053"/>
-            <a:ext cx="448813" cy="417082"/>
-          </a:xfrm>
-          <a:prstGeom prst="bentConnector3">
-            <a:avLst/>
-          </a:prstGeom>
-          <a:ln>
-            <a:tailEnd type="triangle"/>
-          </a:ln>
-        </p:spPr>
-        <p:style>
-          <a:lnRef idx="1">
-            <a:schemeClr val="dk1"/>
-          </a:lnRef>
-          <a:fillRef idx="0">
-            <a:schemeClr val="dk1"/>
-          </a:fillRef>
-          <a:effectRef idx="0">
-            <a:schemeClr val="dk1"/>
-          </a:effectRef>
-          <a:fontRef idx="minor">
-            <a:schemeClr val="tx1"/>
-          </a:fontRef>
-        </p:style>
-      </p:cxnSp>
-      <p:cxnSp>
-        <p:nvCxnSpPr>
-          <p:cNvPr id="39" name="连接符: 肘形 38">
-            <a:extLst>
-              <a:ext uri="{FF2B5EF4-FFF2-40B4-BE49-F238E27FC236}">
-                <a16:creationId xmlns:a16="http://schemas.microsoft.com/office/drawing/2014/main" id="{7ACDA5B6-E134-4BB3-9385-DCB14579B755}"/>
-              </a:ext>
-            </a:extLst>
-          </p:cNvPr>
-          <p:cNvCxnSpPr>
-            <a:stCxn id="7" idx="2"/>
-            <a:endCxn id="20" idx="0"/>
-          </p:cNvCxnSpPr>
-          <p:nvPr/>
-        </p:nvCxnSpPr>
-        <p:spPr>
-          <a:xfrm rot="5400000">
-            <a:off x="4577762" y="2955191"/>
-            <a:ext cx="455106" cy="636515"/>
-          </a:xfrm>
-          <a:prstGeom prst="bentConnector3">
-            <a:avLst/>
-          </a:prstGeom>
-          <a:ln>
-            <a:tailEnd type="triangle"/>
-          </a:ln>
-        </p:spPr>
-        <p:style>
-          <a:lnRef idx="1">
-            <a:schemeClr val="dk1"/>
-          </a:lnRef>
-          <a:fillRef idx="0">
-            <a:schemeClr val="dk1"/>
-          </a:fillRef>
-          <a:effectRef idx="0">
-            <a:schemeClr val="dk1"/>
-          </a:effectRef>
-          <a:fontRef idx="minor">
-            <a:schemeClr val="tx1"/>
-          </a:fontRef>
-        </p:style>
-      </p:cxnSp>
-      <p:cxnSp>
-        <p:nvCxnSpPr>
-          <p:cNvPr id="41" name="连接符: 肘形 40">
-            <a:extLst>
-              <a:ext uri="{FF2B5EF4-FFF2-40B4-BE49-F238E27FC236}">
-                <a16:creationId xmlns:a16="http://schemas.microsoft.com/office/drawing/2014/main" id="{3A9F1437-82C8-4F84-8FB3-5E04ECB626D6}"/>
-              </a:ext>
-            </a:extLst>
-          </p:cNvPr>
-          <p:cNvCxnSpPr>
-            <a:stCxn id="7" idx="2"/>
-            <a:endCxn id="22" idx="0"/>
-          </p:cNvCxnSpPr>
-          <p:nvPr/>
-        </p:nvCxnSpPr>
-        <p:spPr>
-          <a:xfrm rot="16200000" flipH="1">
-            <a:off x="5180436" y="2989030"/>
-            <a:ext cx="455104" cy="568833"/>
-          </a:xfrm>
-          <a:prstGeom prst="bentConnector3">
-            <a:avLst/>
-          </a:prstGeom>
-          <a:ln>
-            <a:tailEnd type="triangle"/>
-          </a:ln>
-        </p:spPr>
-        <p:style>
-          <a:lnRef idx="1">
-            <a:schemeClr val="dk1"/>
-          </a:lnRef>
-          <a:fillRef idx="0">
-            <a:schemeClr val="dk1"/>
-          </a:fillRef>
-          <a:effectRef idx="0">
-            <a:schemeClr val="dk1"/>
-          </a:effectRef>
-          <a:fontRef idx="minor">
-            <a:schemeClr val="tx1"/>
-          </a:fontRef>
-        </p:style>
-      </p:cxnSp>
-      <p:cxnSp>
-        <p:nvCxnSpPr>
-          <p:cNvPr id="43" name="连接符: 肘形 42">
-            <a:extLst>
-              <a:ext uri="{FF2B5EF4-FFF2-40B4-BE49-F238E27FC236}">
-                <a16:creationId xmlns:a16="http://schemas.microsoft.com/office/drawing/2014/main" id="{6889DA98-C881-47E6-A6F7-FE0516E27007}"/>
-              </a:ext>
-            </a:extLst>
-          </p:cNvPr>
-          <p:cNvCxnSpPr>
-            <a:stCxn id="4" idx="2"/>
-            <a:endCxn id="15" idx="0"/>
-          </p:cNvCxnSpPr>
-          <p:nvPr/>
-        </p:nvCxnSpPr>
-        <p:spPr>
-          <a:xfrm rot="5400000">
-            <a:off x="7433553" y="2677319"/>
-            <a:ext cx="434817" cy="1184557"/>
-          </a:xfrm>
-          <a:prstGeom prst="bentConnector3">
-            <a:avLst/>
-          </a:prstGeom>
-          <a:ln>
-            <a:tailEnd type="triangle"/>
-          </a:ln>
-        </p:spPr>
-        <p:style>
-          <a:lnRef idx="1">
-            <a:schemeClr val="dk1"/>
-          </a:lnRef>
-          <a:fillRef idx="0">
-            <a:schemeClr val="dk1"/>
-          </a:fillRef>
-          <a:effectRef idx="0">
-            <a:schemeClr val="dk1"/>
-          </a:effectRef>
-          <a:fontRef idx="minor">
-            <a:schemeClr val="tx1"/>
-          </a:fontRef>
-        </p:style>
-      </p:cxnSp>
-      <p:cxnSp>
-        <p:nvCxnSpPr>
-          <p:cNvPr id="45" name="连接符: 肘形 44">
-            <a:extLst>
-              <a:ext uri="{FF2B5EF4-FFF2-40B4-BE49-F238E27FC236}">
-                <a16:creationId xmlns:a16="http://schemas.microsoft.com/office/drawing/2014/main" id="{68DED679-A863-4A03-88D0-E3B3CC822E46}"/>
-              </a:ext>
-            </a:extLst>
-          </p:cNvPr>
-          <p:cNvCxnSpPr>
-            <a:stCxn id="4" idx="2"/>
-            <a:endCxn id="17" idx="0"/>
-          </p:cNvCxnSpPr>
-          <p:nvPr/>
-        </p:nvCxnSpPr>
-        <p:spPr>
-          <a:xfrm rot="16200000" flipH="1">
-            <a:off x="8026415" y="3269012"/>
-            <a:ext cx="434820" cy="1173"/>
-          </a:xfrm>
-          <a:prstGeom prst="bentConnector3">
-            <a:avLst/>
-          </a:prstGeom>
-          <a:ln>
-            <a:tailEnd type="triangle"/>
-          </a:ln>
-        </p:spPr>
-        <p:style>
-          <a:lnRef idx="1">
-            <a:schemeClr val="dk1"/>
-          </a:lnRef>
-          <a:fillRef idx="0">
-            <a:schemeClr val="dk1"/>
-          </a:fillRef>
-          <a:effectRef idx="0">
-            <a:schemeClr val="dk1"/>
-          </a:effectRef>
-          <a:fontRef idx="minor">
-            <a:schemeClr val="tx1"/>
-          </a:fontRef>
-        </p:style>
-      </p:cxnSp>
-      <p:cxnSp>
-        <p:nvCxnSpPr>
-          <p:cNvPr id="47" name="连接符: 肘形 46">
-            <a:extLst>
-              <a:ext uri="{FF2B5EF4-FFF2-40B4-BE49-F238E27FC236}">
-                <a16:creationId xmlns:a16="http://schemas.microsoft.com/office/drawing/2014/main" id="{4FF0D02D-E796-45C5-873C-93A27F82D68A}"/>
-              </a:ext>
-            </a:extLst>
-          </p:cNvPr>
-          <p:cNvCxnSpPr>
-            <a:stCxn id="4" idx="2"/>
-            <a:endCxn id="19" idx="0"/>
-          </p:cNvCxnSpPr>
-          <p:nvPr/>
-        </p:nvCxnSpPr>
-        <p:spPr>
-          <a:xfrm rot="16200000" flipH="1">
-            <a:off x="8585725" y="2709702"/>
-            <a:ext cx="434819" cy="1119791"/>
+            <a:off x="10008929" y="3265611"/>
+            <a:ext cx="458187" cy="1"/>
           </a:xfrm>
           <a:prstGeom prst="bentConnector3">
             <a:avLst/>

--- a/docs/system-architecture-design/structure-apidocs2plantuml.pptx
+++ b/docs/system-architecture-design/structure-apidocs2plantuml.pptx
@@ -261,7 +261,7 @@
           <a:p>
             <a:fld id="{3428F1E4-6D3D-417A-9543-561553CEE0E1}" type="datetimeFigureOut">
               <a:rPr lang="en-US" smtClean="0"/>
-              <a:t>3/18/2020</a:t>
+              <a:t>3/30/2020</a:t>
             </a:fld>
             <a:endParaRPr lang="en-US"/>
           </a:p>
@@ -461,7 +461,7 @@
           <a:p>
             <a:fld id="{3428F1E4-6D3D-417A-9543-561553CEE0E1}" type="datetimeFigureOut">
               <a:rPr lang="en-US" smtClean="0"/>
-              <a:t>3/18/2020</a:t>
+              <a:t>3/30/2020</a:t>
             </a:fld>
             <a:endParaRPr lang="en-US"/>
           </a:p>
@@ -671,7 +671,7 @@
           <a:p>
             <a:fld id="{3428F1E4-6D3D-417A-9543-561553CEE0E1}" type="datetimeFigureOut">
               <a:rPr lang="en-US" smtClean="0"/>
-              <a:t>3/18/2020</a:t>
+              <a:t>3/30/2020</a:t>
             </a:fld>
             <a:endParaRPr lang="en-US"/>
           </a:p>
@@ -871,7 +871,7 @@
           <a:p>
             <a:fld id="{3428F1E4-6D3D-417A-9543-561553CEE0E1}" type="datetimeFigureOut">
               <a:rPr lang="en-US" smtClean="0"/>
-              <a:t>3/18/2020</a:t>
+              <a:t>3/30/2020</a:t>
             </a:fld>
             <a:endParaRPr lang="en-US"/>
           </a:p>
@@ -1147,7 +1147,7 @@
           <a:p>
             <a:fld id="{3428F1E4-6D3D-417A-9543-561553CEE0E1}" type="datetimeFigureOut">
               <a:rPr lang="en-US" smtClean="0"/>
-              <a:t>3/18/2020</a:t>
+              <a:t>3/30/2020</a:t>
             </a:fld>
             <a:endParaRPr lang="en-US"/>
           </a:p>
@@ -1415,7 +1415,7 @@
           <a:p>
             <a:fld id="{3428F1E4-6D3D-417A-9543-561553CEE0E1}" type="datetimeFigureOut">
               <a:rPr lang="en-US" smtClean="0"/>
-              <a:t>3/18/2020</a:t>
+              <a:t>3/30/2020</a:t>
             </a:fld>
             <a:endParaRPr lang="en-US"/>
           </a:p>
@@ -1830,7 +1830,7 @@
           <a:p>
             <a:fld id="{3428F1E4-6D3D-417A-9543-561553CEE0E1}" type="datetimeFigureOut">
               <a:rPr lang="en-US" smtClean="0"/>
-              <a:t>3/18/2020</a:t>
+              <a:t>3/30/2020</a:t>
             </a:fld>
             <a:endParaRPr lang="en-US"/>
           </a:p>
@@ -1972,7 +1972,7 @@
           <a:p>
             <a:fld id="{3428F1E4-6D3D-417A-9543-561553CEE0E1}" type="datetimeFigureOut">
               <a:rPr lang="en-US" smtClean="0"/>
-              <a:t>3/18/2020</a:t>
+              <a:t>3/30/2020</a:t>
             </a:fld>
             <a:endParaRPr lang="en-US"/>
           </a:p>
@@ -2085,7 +2085,7 @@
           <a:p>
             <a:fld id="{3428F1E4-6D3D-417A-9543-561553CEE0E1}" type="datetimeFigureOut">
               <a:rPr lang="en-US" smtClean="0"/>
-              <a:t>3/18/2020</a:t>
+              <a:t>3/30/2020</a:t>
             </a:fld>
             <a:endParaRPr lang="en-US"/>
           </a:p>
@@ -2398,7 +2398,7 @@
           <a:p>
             <a:fld id="{3428F1E4-6D3D-417A-9543-561553CEE0E1}" type="datetimeFigureOut">
               <a:rPr lang="en-US" smtClean="0"/>
-              <a:t>3/18/2020</a:t>
+              <a:t>3/30/2020</a:t>
             </a:fld>
             <a:endParaRPr lang="en-US"/>
           </a:p>
@@ -2687,7 +2687,7 @@
           <a:p>
             <a:fld id="{3428F1E4-6D3D-417A-9543-561553CEE0E1}" type="datetimeFigureOut">
               <a:rPr lang="en-US" smtClean="0"/>
-              <a:t>3/18/2020</a:t>
+              <a:t>3/30/2020</a:t>
             </a:fld>
             <a:endParaRPr lang="en-US"/>
           </a:p>
@@ -2930,7 +2930,7 @@
           <a:p>
             <a:fld id="{3428F1E4-6D3D-417A-9543-561553CEE0E1}" type="datetimeFigureOut">
               <a:rPr lang="en-US" smtClean="0"/>
-              <a:t>3/18/2020</a:t>
+              <a:t>3/30/2020</a:t>
             </a:fld>
             <a:endParaRPr lang="en-US"/>
           </a:p>
@@ -3420,8 +3420,8 @@
         </p:nvSpPr>
         <p:spPr>
           <a:xfrm>
-            <a:off x="6901238" y="2575124"/>
-            <a:ext cx="1076587" cy="461395"/>
+            <a:off x="7320761" y="2568830"/>
+            <a:ext cx="1215249" cy="461395"/>
           </a:xfrm>
           <a:prstGeom prst="rect">
             <a:avLst/>
@@ -3460,7 +3460,7 @@
                   <a:schemeClr val="tx1"/>
                 </a:solidFill>
               </a:rPr>
-              <a:t>Crawler</a:t>
+              <a:t>Parser</a:t>
             </a:r>
           </a:p>
         </p:txBody>
@@ -3538,7 +3538,7 @@
         </p:nvSpPr>
         <p:spPr>
           <a:xfrm>
-            <a:off x="3783483" y="2578208"/>
+            <a:off x="3608128" y="2563228"/>
             <a:ext cx="1281418" cy="461395"/>
           </a:xfrm>
           <a:prstGeom prst="rect">
@@ -3702,8 +3702,8 @@
         </p:nvCxnSpPr>
         <p:spPr>
           <a:xfrm rot="5400000">
-            <a:off x="4940271" y="1337890"/>
-            <a:ext cx="724240" cy="1756397"/>
+            <a:off x="4860083" y="1242722"/>
+            <a:ext cx="709260" cy="1931752"/>
           </a:xfrm>
           <a:prstGeom prst="bentConnector3">
             <a:avLst/>
@@ -3737,6 +3737,7 @@
             </a:extLst>
           </p:cNvPr>
           <p:cNvCxnSpPr>
+            <a:cxnSpLocks/>
             <a:stCxn id="2" idx="2"/>
             <a:endCxn id="4" idx="0"/>
           </p:cNvCxnSpPr>
@@ -3744,8 +3745,8 @@
         </p:nvCxnSpPr>
         <p:spPr>
           <a:xfrm rot="16200000" flipH="1">
-            <a:off x="6449482" y="1585074"/>
-            <a:ext cx="721156" cy="1258943"/>
+            <a:off x="6697056" y="1337500"/>
+            <a:ext cx="714862" cy="1747797"/>
           </a:xfrm>
           <a:prstGeom prst="bentConnector3">
             <a:avLst/>
@@ -3890,7 +3891,7 @@
         </p:nvSpPr>
         <p:spPr>
           <a:xfrm>
-            <a:off x="5717627" y="3487006"/>
+            <a:off x="6612170" y="4042193"/>
             <a:ext cx="1076587" cy="461395"/>
           </a:xfrm>
           <a:prstGeom prst="rect">
@@ -3949,7 +3950,7 @@
         </p:nvSpPr>
         <p:spPr>
           <a:xfrm>
-            <a:off x="6970469" y="3487009"/>
+            <a:off x="7457203" y="4592764"/>
             <a:ext cx="942363" cy="461395"/>
           </a:xfrm>
           <a:prstGeom prst="rect">
@@ -4013,7 +4014,7 @@
         </p:nvSpPr>
         <p:spPr>
           <a:xfrm>
-            <a:off x="8089087" y="3487008"/>
+            <a:off x="8279719" y="4042192"/>
             <a:ext cx="942364" cy="461395"/>
           </a:xfrm>
           <a:prstGeom prst="rect">
@@ -4251,8 +4252,8 @@
         </p:nvCxnSpPr>
         <p:spPr>
           <a:xfrm rot="5400000">
-            <a:off x="3878382" y="2948899"/>
-            <a:ext cx="455106" cy="636515"/>
+            <a:off x="3783214" y="3029086"/>
+            <a:ext cx="470086" cy="461160"/>
           </a:xfrm>
           <a:prstGeom prst="bentConnector3">
             <a:avLst/>
@@ -4293,8 +4294,8 @@
         </p:nvCxnSpPr>
         <p:spPr>
           <a:xfrm rot="16200000" flipH="1">
-            <a:off x="4481056" y="2982738"/>
-            <a:ext cx="455104" cy="568833"/>
+            <a:off x="4385889" y="2887571"/>
+            <a:ext cx="470084" cy="744188"/>
           </a:xfrm>
           <a:prstGeom prst="bentConnector3">
             <a:avLst/>
@@ -4328,6 +4329,7 @@
             </a:extLst>
           </p:cNvPr>
           <p:cNvCxnSpPr>
+            <a:cxnSpLocks/>
             <a:stCxn id="4" idx="2"/>
             <a:endCxn id="15" idx="0"/>
           </p:cNvCxnSpPr>
@@ -4335,8 +4337,8 @@
         </p:nvCxnSpPr>
         <p:spPr>
           <a:xfrm rot="5400000">
-            <a:off x="6622484" y="2669957"/>
-            <a:ext cx="450487" cy="1183611"/>
+            <a:off x="7033441" y="3147248"/>
+            <a:ext cx="1011968" cy="777922"/>
           </a:xfrm>
           <a:prstGeom prst="bentConnector3">
             <a:avLst/>
@@ -4370,15 +4372,16 @@
             </a:extLst>
           </p:cNvPr>
           <p:cNvCxnSpPr>
+            <a:cxnSpLocks/>
             <a:stCxn id="4" idx="2"/>
             <a:endCxn id="17" idx="0"/>
           </p:cNvCxnSpPr>
           <p:nvPr/>
         </p:nvCxnSpPr>
         <p:spPr>
-          <a:xfrm rot="16200000" flipH="1">
-            <a:off x="7215346" y="3260704"/>
-            <a:ext cx="450490" cy="2119"/>
+          <a:xfrm rot="5400000">
+            <a:off x="7147117" y="3811494"/>
+            <a:ext cx="1562539" cy="1"/>
           </a:xfrm>
           <a:prstGeom prst="bentConnector3">
             <a:avLst/>
@@ -4412,6 +4415,7 @@
             </a:extLst>
           </p:cNvPr>
           <p:cNvCxnSpPr>
+            <a:cxnSpLocks/>
             <a:stCxn id="4" idx="2"/>
             <a:endCxn id="19" idx="0"/>
           </p:cNvCxnSpPr>
@@ -4419,8 +4423,8 @@
         </p:nvCxnSpPr>
         <p:spPr>
           <a:xfrm rot="16200000" flipH="1">
-            <a:off x="7774656" y="2701394"/>
-            <a:ext cx="450489" cy="1120737"/>
+            <a:off x="7833660" y="3124950"/>
+            <a:ext cx="1011967" cy="822515"/>
           </a:xfrm>
           <a:prstGeom prst="bentConnector3">
             <a:avLst/>
@@ -4629,6 +4633,209 @@
           <a:xfrm rot="16200000" flipH="1">
             <a:off x="10008929" y="3265611"/>
             <a:ext cx="458187" cy="1"/>
+          </a:xfrm>
+          <a:prstGeom prst="bentConnector3">
+            <a:avLst/>
+          </a:prstGeom>
+          <a:ln>
+            <a:tailEnd type="triangle"/>
+          </a:ln>
+        </p:spPr>
+        <p:style>
+          <a:lnRef idx="1">
+            <a:schemeClr val="dk1"/>
+          </a:lnRef>
+          <a:fillRef idx="0">
+            <a:schemeClr val="dk1"/>
+          </a:fillRef>
+          <a:effectRef idx="0">
+            <a:schemeClr val="dk1"/>
+          </a:effectRef>
+          <a:fontRef idx="minor">
+            <a:schemeClr val="tx1"/>
+          </a:fontRef>
+        </p:style>
+      </p:cxnSp>
+      <p:sp>
+        <p:nvSpPr>
+          <p:cNvPr id="28" name="矩形 27">
+            <a:extLst>
+              <a:ext uri="{FF2B5EF4-FFF2-40B4-BE49-F238E27FC236}">
+                <a16:creationId xmlns:a16="http://schemas.microsoft.com/office/drawing/2014/main" id="{9F295EDB-5986-490D-ABFA-2C8822EE3F8B}"/>
+              </a:ext>
+            </a:extLst>
+          </p:cNvPr>
+          <p:cNvSpPr/>
+          <p:nvPr/>
+        </p:nvSpPr>
+        <p:spPr>
+          <a:xfrm>
+            <a:off x="5642293" y="2578208"/>
+            <a:ext cx="1076587" cy="461395"/>
+          </a:xfrm>
+          <a:prstGeom prst="rect">
+            <a:avLst/>
+          </a:prstGeom>
+          <a:noFill/>
+          <a:ln>
+            <a:solidFill>
+              <a:schemeClr val="tx1"/>
+            </a:solidFill>
+          </a:ln>
+        </p:spPr>
+        <p:style>
+          <a:lnRef idx="2">
+            <a:schemeClr val="accent1">
+              <a:shade val="50000"/>
+            </a:schemeClr>
+          </a:lnRef>
+          <a:fillRef idx="1">
+            <a:schemeClr val="accent1"/>
+          </a:fillRef>
+          <a:effectRef idx="0">
+            <a:schemeClr val="accent1"/>
+          </a:effectRef>
+          <a:fontRef idx="minor">
+            <a:schemeClr val="lt1"/>
+          </a:fontRef>
+        </p:style>
+        <p:txBody>
+          <a:bodyPr rtlCol="0" anchor="ctr"/>
+          <a:lstStyle/>
+          <a:p>
+            <a:pPr algn="ctr"/>
+            <a:r>
+              <a:rPr lang="en-US" dirty="0">
+                <a:solidFill>
+                  <a:schemeClr val="tx1"/>
+                </a:solidFill>
+              </a:rPr>
+              <a:t>Crawler</a:t>
+            </a:r>
+          </a:p>
+        </p:txBody>
+      </p:sp>
+      <p:sp>
+        <p:nvSpPr>
+          <p:cNvPr id="33" name="矩形 32">
+            <a:extLst>
+              <a:ext uri="{FF2B5EF4-FFF2-40B4-BE49-F238E27FC236}">
+                <a16:creationId xmlns:a16="http://schemas.microsoft.com/office/drawing/2014/main" id="{5EEDF017-4DE0-43CA-8A82-5FFDE0C266D6}"/>
+              </a:ext>
+            </a:extLst>
+          </p:cNvPr>
+          <p:cNvSpPr/>
+          <p:nvPr/>
+        </p:nvSpPr>
+        <p:spPr>
+          <a:xfrm>
+            <a:off x="5589308" y="3494705"/>
+            <a:ext cx="1179971" cy="461395"/>
+          </a:xfrm>
+          <a:prstGeom prst="rect">
+            <a:avLst/>
+          </a:prstGeom>
+          <a:noFill/>
+          <a:ln>
+            <a:solidFill>
+              <a:schemeClr val="tx1"/>
+            </a:solidFill>
+          </a:ln>
+        </p:spPr>
+        <p:style>
+          <a:lnRef idx="2">
+            <a:schemeClr val="accent1">
+              <a:shade val="50000"/>
+            </a:schemeClr>
+          </a:lnRef>
+          <a:fillRef idx="1">
+            <a:schemeClr val="accent1"/>
+          </a:fillRef>
+          <a:effectRef idx="0">
+            <a:schemeClr val="accent1"/>
+          </a:effectRef>
+          <a:fontRef idx="minor">
+            <a:schemeClr val="lt1"/>
+          </a:fontRef>
+        </p:style>
+        <p:txBody>
+          <a:bodyPr rtlCol="0" anchor="ctr"/>
+          <a:lstStyle/>
+          <a:p>
+            <a:pPr algn="ctr"/>
+            <a:r>
+              <a:rPr lang="en-US" dirty="0">
+                <a:solidFill>
+                  <a:schemeClr val="tx1"/>
+                </a:solidFill>
+              </a:rPr>
+              <a:t>Document</a:t>
+            </a:r>
+          </a:p>
+        </p:txBody>
+      </p:sp>
+      <p:cxnSp>
+        <p:nvCxnSpPr>
+          <p:cNvPr id="24" name="连接符: 肘形 23">
+            <a:extLst>
+              <a:ext uri="{FF2B5EF4-FFF2-40B4-BE49-F238E27FC236}">
+                <a16:creationId xmlns:a16="http://schemas.microsoft.com/office/drawing/2014/main" id="{D94DB9CE-E79A-47EA-BD08-BFB5CE18E19C}"/>
+              </a:ext>
+            </a:extLst>
+          </p:cNvPr>
+          <p:cNvCxnSpPr>
+            <a:cxnSpLocks/>
+            <a:stCxn id="33" idx="0"/>
+            <a:endCxn id="28" idx="2"/>
+          </p:cNvCxnSpPr>
+          <p:nvPr/>
+        </p:nvCxnSpPr>
+        <p:spPr>
+          <a:xfrm rot="5400000" flipH="1" flipV="1">
+            <a:off x="5952389" y="3266508"/>
+            <a:ext cx="455102" cy="1293"/>
+          </a:xfrm>
+          <a:prstGeom prst="bentConnector3">
+            <a:avLst/>
+          </a:prstGeom>
+          <a:ln>
+            <a:tailEnd type="triangle"/>
+          </a:ln>
+        </p:spPr>
+        <p:style>
+          <a:lnRef idx="1">
+            <a:schemeClr val="dk1"/>
+          </a:lnRef>
+          <a:fillRef idx="0">
+            <a:schemeClr val="dk1"/>
+          </a:fillRef>
+          <a:effectRef idx="0">
+            <a:schemeClr val="dk1"/>
+          </a:effectRef>
+          <a:fontRef idx="minor">
+            <a:schemeClr val="tx1"/>
+          </a:fontRef>
+        </p:style>
+      </p:cxnSp>
+      <p:cxnSp>
+        <p:nvCxnSpPr>
+          <p:cNvPr id="62" name="连接符: 肘形 61">
+            <a:extLst>
+              <a:ext uri="{FF2B5EF4-FFF2-40B4-BE49-F238E27FC236}">
+                <a16:creationId xmlns:a16="http://schemas.microsoft.com/office/drawing/2014/main" id="{A69EC506-2CE1-4F20-A245-5C59C0DDBE59}"/>
+              </a:ext>
+            </a:extLst>
+          </p:cNvPr>
+          <p:cNvCxnSpPr>
+            <a:stCxn id="2" idx="2"/>
+            <a:endCxn id="28" idx="0"/>
+          </p:cNvCxnSpPr>
+          <p:nvPr/>
+        </p:nvCxnSpPr>
+        <p:spPr>
+          <a:xfrm rot="5400000">
+            <a:off x="5818468" y="2216087"/>
+            <a:ext cx="724240" cy="2"/>
           </a:xfrm>
           <a:prstGeom prst="bentConnector3">
             <a:avLst/>
